--- a/platilla.pptx
+++ b/platilla.pptx
@@ -5,13 +5,14 @@
     <p:sldMasterId id="2147483648" r:id="rId1"/>
   </p:sldMasterIdLst>
   <p:notesMasterIdLst>
-    <p:notesMasterId r:id="rId6"/>
+    <p:notesMasterId r:id="rId7"/>
   </p:notesMasterIdLst>
   <p:sldIdLst>
     <p:sldId id="256" r:id="rId2"/>
     <p:sldId id="257" r:id="rId3"/>
     <p:sldId id="258" r:id="rId4"/>
     <p:sldId id="259" r:id="rId5"/>
+    <p:sldId id="260" r:id="rId6"/>
   </p:sldIdLst>
   <p:sldSz cx="12192000" cy="6858000"/>
   <p:notesSz cx="6858000" cy="9144000"/>
@@ -110,6 +111,11 @@
       </a:defRPr>
     </a:lvl9pPr>
   </p:defaultTextStyle>
+  <p:extLst>
+    <p:ext uri="{EFAFB233-063F-42B5-8137-9DF3F51BA10A}">
+      <p15:sldGuideLst xmlns:p15="http://schemas.microsoft.com/office/powerpoint/2012/main"/>
+    </p:ext>
+  </p:extLst>
 </p:presentation>
 </file>
 
@@ -195,7 +201,7 @@
           <a:p>
             <a:fld id="{EA15F25D-69AB-4602-83FA-FA53CF11697D}" type="datetimeFigureOut">
               <a:rPr lang="es-CO" smtClean="0"/>
-              <a:t>11/09/2022</a:t>
+              <a:t>18/09/2022</a:t>
             </a:fld>
             <a:endParaRPr lang="es-CO"/>
           </a:p>
@@ -696,7 +702,7 @@
           <a:p>
             <a:fld id="{E26ED725-310C-40C5-96D2-39BA5222A7A2}" type="datetimeFigureOut">
               <a:rPr lang="es-CO" smtClean="0"/>
-              <a:t>11/09/2022</a:t>
+              <a:t>18/09/2022</a:t>
             </a:fld>
             <a:endParaRPr lang="es-CO"/>
           </a:p>
@@ -896,7 +902,7 @@
           <a:p>
             <a:fld id="{E26ED725-310C-40C5-96D2-39BA5222A7A2}" type="datetimeFigureOut">
               <a:rPr lang="es-CO" smtClean="0"/>
-              <a:t>11/09/2022</a:t>
+              <a:t>18/09/2022</a:t>
             </a:fld>
             <a:endParaRPr lang="es-CO"/>
           </a:p>
@@ -1106,7 +1112,7 @@
           <a:p>
             <a:fld id="{E26ED725-310C-40C5-96D2-39BA5222A7A2}" type="datetimeFigureOut">
               <a:rPr lang="es-CO" smtClean="0"/>
-              <a:t>11/09/2022</a:t>
+              <a:t>18/09/2022</a:t>
             </a:fld>
             <a:endParaRPr lang="es-CO"/>
           </a:p>
@@ -1306,7 +1312,7 @@
           <a:p>
             <a:fld id="{E26ED725-310C-40C5-96D2-39BA5222A7A2}" type="datetimeFigureOut">
               <a:rPr lang="es-CO" smtClean="0"/>
-              <a:t>11/09/2022</a:t>
+              <a:t>18/09/2022</a:t>
             </a:fld>
             <a:endParaRPr lang="es-CO"/>
           </a:p>
@@ -1582,7 +1588,7 @@
           <a:p>
             <a:fld id="{E26ED725-310C-40C5-96D2-39BA5222A7A2}" type="datetimeFigureOut">
               <a:rPr lang="es-CO" smtClean="0"/>
-              <a:t>11/09/2022</a:t>
+              <a:t>18/09/2022</a:t>
             </a:fld>
             <a:endParaRPr lang="es-CO"/>
           </a:p>
@@ -1850,7 +1856,7 @@
           <a:p>
             <a:fld id="{E26ED725-310C-40C5-96D2-39BA5222A7A2}" type="datetimeFigureOut">
               <a:rPr lang="es-CO" smtClean="0"/>
-              <a:t>11/09/2022</a:t>
+              <a:t>18/09/2022</a:t>
             </a:fld>
             <a:endParaRPr lang="es-CO"/>
           </a:p>
@@ -2265,7 +2271,7 @@
           <a:p>
             <a:fld id="{E26ED725-310C-40C5-96D2-39BA5222A7A2}" type="datetimeFigureOut">
               <a:rPr lang="es-CO" smtClean="0"/>
-              <a:t>11/09/2022</a:t>
+              <a:t>18/09/2022</a:t>
             </a:fld>
             <a:endParaRPr lang="es-CO"/>
           </a:p>
@@ -2407,7 +2413,7 @@
           <a:p>
             <a:fld id="{E26ED725-310C-40C5-96D2-39BA5222A7A2}" type="datetimeFigureOut">
               <a:rPr lang="es-CO" smtClean="0"/>
-              <a:t>11/09/2022</a:t>
+              <a:t>18/09/2022</a:t>
             </a:fld>
             <a:endParaRPr lang="es-CO"/>
           </a:p>
@@ -2520,7 +2526,7 @@
           <a:p>
             <a:fld id="{E26ED725-310C-40C5-96D2-39BA5222A7A2}" type="datetimeFigureOut">
               <a:rPr lang="es-CO" smtClean="0"/>
-              <a:t>11/09/2022</a:t>
+              <a:t>18/09/2022</a:t>
             </a:fld>
             <a:endParaRPr lang="es-CO"/>
           </a:p>
@@ -2833,7 +2839,7 @@
           <a:p>
             <a:fld id="{E26ED725-310C-40C5-96D2-39BA5222A7A2}" type="datetimeFigureOut">
               <a:rPr lang="es-CO" smtClean="0"/>
-              <a:t>11/09/2022</a:t>
+              <a:t>18/09/2022</a:t>
             </a:fld>
             <a:endParaRPr lang="es-CO"/>
           </a:p>
@@ -3122,7 +3128,7 @@
           <a:p>
             <a:fld id="{E26ED725-310C-40C5-96D2-39BA5222A7A2}" type="datetimeFigureOut">
               <a:rPr lang="es-CO" smtClean="0"/>
-              <a:t>11/09/2022</a:t>
+              <a:t>18/09/2022</a:t>
             </a:fld>
             <a:endParaRPr lang="es-CO"/>
           </a:p>
@@ -3365,7 +3371,7 @@
           <a:p>
             <a:fld id="{E26ED725-310C-40C5-96D2-39BA5222A7A2}" type="datetimeFigureOut">
               <a:rPr lang="es-CO" smtClean="0"/>
-              <a:t>11/09/2022</a:t>
+              <a:t>18/09/2022</a:t>
             </a:fld>
             <a:endParaRPr lang="es-CO"/>
           </a:p>
@@ -5868,6 +5874,1871 @@
     <p:extLst>
       <p:ext uri="{BB962C8B-B14F-4D97-AF65-F5344CB8AC3E}">
         <p14:creationId xmlns:p14="http://schemas.microsoft.com/office/powerpoint/2010/main" val="939226779"/>
+      </p:ext>
+    </p:extLst>
+  </p:cSld>
+  <p:clrMapOvr>
+    <a:masterClrMapping/>
+  </p:clrMapOvr>
+</p:sld>
+</file>
+
+<file path=ppt/slides/slide5.xml><?xml version="1.0" encoding="utf-8"?>
+<p:sld xmlns:a="http://schemas.openxmlformats.org/drawingml/2006/main" xmlns:r="http://schemas.openxmlformats.org/officeDocument/2006/relationships" xmlns:p="http://schemas.openxmlformats.org/presentationml/2006/main">
+  <p:cSld>
+    <p:spTree>
+      <p:nvGrpSpPr>
+        <p:cNvPr id="1" name=""/>
+        <p:cNvGrpSpPr/>
+        <p:nvPr/>
+      </p:nvGrpSpPr>
+      <p:grpSpPr>
+        <a:xfrm>
+          <a:off x="0" y="0"/>
+          <a:ext cx="0" cy="0"/>
+          <a:chOff x="0" y="0"/>
+          <a:chExt cx="0" cy="0"/>
+        </a:xfrm>
+      </p:grpSpPr>
+      <p:grpSp>
+        <p:nvGrpSpPr>
+          <p:cNvPr id="19" name="Grupo 18">
+            <a:extLst>
+              <a:ext uri="{FF2B5EF4-FFF2-40B4-BE49-F238E27FC236}">
+                <a16:creationId xmlns:a16="http://schemas.microsoft.com/office/drawing/2014/main" id="{CBD5D800-A2AF-4BE4-9DAC-EECD4ABECBE7}"/>
+              </a:ext>
+            </a:extLst>
+          </p:cNvPr>
+          <p:cNvGrpSpPr/>
+          <p:nvPr/>
+        </p:nvGrpSpPr>
+        <p:grpSpPr>
+          <a:xfrm>
+            <a:off x="824668" y="266701"/>
+            <a:ext cx="3221380" cy="5951220"/>
+            <a:chOff x="824668" y="266701"/>
+            <a:chExt cx="3221380" cy="5951220"/>
+          </a:xfrm>
+        </p:grpSpPr>
+        <p:grpSp>
+          <p:nvGrpSpPr>
+            <p:cNvPr id="3" name="Grupo 2">
+              <a:extLst>
+                <a:ext uri="{FF2B5EF4-FFF2-40B4-BE49-F238E27FC236}">
+                  <a16:creationId xmlns:a16="http://schemas.microsoft.com/office/drawing/2014/main" id="{FEC00364-8143-4E61-AAFB-450D311B47E6}"/>
+                </a:ext>
+              </a:extLst>
+            </p:cNvPr>
+            <p:cNvGrpSpPr/>
+            <p:nvPr/>
+          </p:nvGrpSpPr>
+          <p:grpSpPr>
+            <a:xfrm>
+              <a:off x="833439" y="266701"/>
+              <a:ext cx="3128962" cy="1157290"/>
+              <a:chOff x="833439" y="266701"/>
+              <a:chExt cx="3128962" cy="1157290"/>
+            </a:xfrm>
+          </p:grpSpPr>
+          <p:pic>
+            <p:nvPicPr>
+              <p:cNvPr id="1029" name="Picture 5">
+                <a:extLst>
+                  <a:ext uri="{FF2B5EF4-FFF2-40B4-BE49-F238E27FC236}">
+                    <a16:creationId xmlns:a16="http://schemas.microsoft.com/office/drawing/2014/main" id="{C5BFE533-5E45-4C43-A529-20C34F2E0666}"/>
+                  </a:ext>
+                </a:extLst>
+              </p:cNvPr>
+              <p:cNvPicPr>
+                <a:picLocks noChangeAspect="1" noChangeArrowheads="1"/>
+              </p:cNvPicPr>
+              <p:nvPr/>
+            </p:nvPicPr>
+            <p:blipFill rotWithShape="1">
+              <a:blip r:embed="rId3">
+                <a:extLst>
+                  <a:ext uri="{28A0092B-C50C-407E-A947-70E740481C1C}">
+                    <a14:useLocalDpi xmlns:a14="http://schemas.microsoft.com/office/drawing/2010/main" val="0"/>
+                  </a:ext>
+                </a:extLst>
+              </a:blip>
+              <a:srcRect t="6910" r="28140" b="11684"/>
+              <a:stretch/>
+            </p:blipFill>
+            <p:spPr bwMode="auto">
+              <a:xfrm>
+                <a:off x="2600327" y="266701"/>
+                <a:ext cx="1362074" cy="1157288"/>
+              </a:xfrm>
+              <a:prstGeom prst="rect">
+                <a:avLst/>
+              </a:prstGeom>
+              <a:noFill/>
+              <a:extLst>
+                <a:ext uri="{909E8E84-426E-40DD-AFC4-6F175D3DCCD1}">
+                  <a14:hiddenFill xmlns:a14="http://schemas.microsoft.com/office/drawing/2010/main">
+                    <a:solidFill>
+                      <a:srgbClr val="FFFFFF"/>
+                    </a:solidFill>
+                  </a14:hiddenFill>
+                </a:ext>
+              </a:extLst>
+            </p:spPr>
+          </p:pic>
+          <p:pic>
+            <p:nvPicPr>
+              <p:cNvPr id="1025" name="Picture 1">
+                <a:extLst>
+                  <a:ext uri="{FF2B5EF4-FFF2-40B4-BE49-F238E27FC236}">
+                    <a16:creationId xmlns:a16="http://schemas.microsoft.com/office/drawing/2014/main" id="{7C0E3044-C730-4AE0-A58B-710187F49886}"/>
+                  </a:ext>
+                </a:extLst>
+              </p:cNvPr>
+              <p:cNvPicPr>
+                <a:picLocks noChangeAspect="1" noChangeArrowheads="1"/>
+              </p:cNvPicPr>
+              <p:nvPr/>
+            </p:nvPicPr>
+            <p:blipFill rotWithShape="1">
+              <a:blip r:embed="rId4">
+                <a:extLst>
+                  <a:ext uri="{28A0092B-C50C-407E-A947-70E740481C1C}">
+                    <a14:useLocalDpi xmlns:a14="http://schemas.microsoft.com/office/drawing/2010/main" val="0"/>
+                  </a:ext>
+                </a:extLst>
+              </a:blip>
+              <a:srcRect l="33654" t="13146" r="34807" b="29812"/>
+              <a:stretch/>
+            </p:blipFill>
+            <p:spPr bwMode="auto">
+              <a:xfrm>
+                <a:off x="833439" y="266701"/>
+                <a:ext cx="781050" cy="1157288"/>
+              </a:xfrm>
+              <a:prstGeom prst="rect">
+                <a:avLst/>
+              </a:prstGeom>
+              <a:noFill/>
+              <a:extLst>
+                <a:ext uri="{909E8E84-426E-40DD-AFC4-6F175D3DCCD1}">
+                  <a14:hiddenFill xmlns:a14="http://schemas.microsoft.com/office/drawing/2010/main">
+                    <a:solidFill>
+                      <a:srgbClr val="FFFFFF"/>
+                    </a:solidFill>
+                  </a14:hiddenFill>
+                </a:ext>
+              </a:extLst>
+            </p:spPr>
+          </p:pic>
+          <p:pic>
+            <p:nvPicPr>
+              <p:cNvPr id="2" name="Picture 2">
+                <a:extLst>
+                  <a:ext uri="{FF2B5EF4-FFF2-40B4-BE49-F238E27FC236}">
+                    <a16:creationId xmlns:a16="http://schemas.microsoft.com/office/drawing/2014/main" id="{8431A42D-7337-41A5-A917-602A8911D579}"/>
+                  </a:ext>
+                </a:extLst>
+              </p:cNvPr>
+              <p:cNvPicPr>
+                <a:picLocks noChangeAspect="1" noChangeArrowheads="1"/>
+              </p:cNvPicPr>
+              <p:nvPr/>
+            </p:nvPicPr>
+            <p:blipFill rotWithShape="1">
+              <a:blip r:embed="rId5">
+                <a:extLst>
+                  <a:ext uri="{28A0092B-C50C-407E-A947-70E740481C1C}">
+                    <a14:useLocalDpi xmlns:a14="http://schemas.microsoft.com/office/drawing/2010/main" val="0"/>
+                  </a:ext>
+                </a:extLst>
+              </a:blip>
+              <a:srcRect l="33846" t="13146" r="34615" b="29812"/>
+              <a:stretch/>
+            </p:blipFill>
+            <p:spPr bwMode="auto">
+              <a:xfrm>
+                <a:off x="1614489" y="266701"/>
+                <a:ext cx="781050" cy="1157288"/>
+              </a:xfrm>
+              <a:prstGeom prst="rect">
+                <a:avLst/>
+              </a:prstGeom>
+              <a:noFill/>
+              <a:extLst>
+                <a:ext uri="{909E8E84-426E-40DD-AFC4-6F175D3DCCD1}">
+                  <a14:hiddenFill xmlns:a14="http://schemas.microsoft.com/office/drawing/2010/main">
+                    <a:solidFill>
+                      <a:srgbClr val="FFFFFF"/>
+                    </a:solidFill>
+                  </a14:hiddenFill>
+                </a:ext>
+              </a:extLst>
+            </p:spPr>
+          </p:pic>
+          <p:pic>
+            <p:nvPicPr>
+              <p:cNvPr id="1028" name="Picture 4">
+                <a:extLst>
+                  <a:ext uri="{FF2B5EF4-FFF2-40B4-BE49-F238E27FC236}">
+                    <a16:creationId xmlns:a16="http://schemas.microsoft.com/office/drawing/2014/main" id="{C0368EFF-EA69-4FF2-92CF-4C7A2D2D6DBD}"/>
+                  </a:ext>
+                </a:extLst>
+              </p:cNvPr>
+              <p:cNvPicPr>
+                <a:picLocks noChangeAspect="1" noChangeArrowheads="1"/>
+              </p:cNvPicPr>
+              <p:nvPr/>
+            </p:nvPicPr>
+            <p:blipFill rotWithShape="1">
+              <a:blip r:embed="rId6">
+                <a:extLst>
+                  <a:ext uri="{28A0092B-C50C-407E-A947-70E740481C1C}">
+                    <a14:useLocalDpi xmlns:a14="http://schemas.microsoft.com/office/drawing/2010/main" val="0"/>
+                  </a:ext>
+                </a:extLst>
+              </a:blip>
+              <a:srcRect l="34039" t="13146" r="34615" b="29812"/>
+              <a:stretch/>
+            </p:blipFill>
+            <p:spPr bwMode="auto">
+              <a:xfrm>
+                <a:off x="2400300" y="266701"/>
+                <a:ext cx="776289" cy="1157290"/>
+              </a:xfrm>
+              <a:prstGeom prst="rect">
+                <a:avLst/>
+              </a:prstGeom>
+              <a:noFill/>
+              <a:extLst>
+                <a:ext uri="{909E8E84-426E-40DD-AFC4-6F175D3DCCD1}">
+                  <a14:hiddenFill xmlns:a14="http://schemas.microsoft.com/office/drawing/2010/main">
+                    <a:solidFill>
+                      <a:srgbClr val="FFFFFF"/>
+                    </a:solidFill>
+                  </a14:hiddenFill>
+                </a:ext>
+              </a:extLst>
+            </p:spPr>
+          </p:pic>
+        </p:grpSp>
+        <p:grpSp>
+          <p:nvGrpSpPr>
+            <p:cNvPr id="5" name="Grupo 4">
+              <a:extLst>
+                <a:ext uri="{FF2B5EF4-FFF2-40B4-BE49-F238E27FC236}">
+                  <a16:creationId xmlns:a16="http://schemas.microsoft.com/office/drawing/2014/main" id="{7DF4AABA-9DB1-4C39-8889-130306960083}"/>
+                </a:ext>
+              </a:extLst>
+            </p:cNvPr>
+            <p:cNvGrpSpPr/>
+            <p:nvPr/>
+          </p:nvGrpSpPr>
+          <p:grpSpPr>
+            <a:xfrm>
+              <a:off x="824670" y="1456680"/>
+              <a:ext cx="3221378" cy="1165861"/>
+              <a:chOff x="1048702" y="3695699"/>
+              <a:chExt cx="3221378" cy="1165861"/>
+            </a:xfrm>
+          </p:grpSpPr>
+          <p:pic>
+            <p:nvPicPr>
+              <p:cNvPr id="1033" name="Picture 9">
+                <a:extLst>
+                  <a:ext uri="{FF2B5EF4-FFF2-40B4-BE49-F238E27FC236}">
+                    <a16:creationId xmlns:a16="http://schemas.microsoft.com/office/drawing/2014/main" id="{D653114D-97BA-4E06-9768-B497592A0197}"/>
+                  </a:ext>
+                </a:extLst>
+              </p:cNvPr>
+              <p:cNvPicPr>
+                <a:picLocks noChangeAspect="1" noChangeArrowheads="1"/>
+              </p:cNvPicPr>
+              <p:nvPr/>
+            </p:nvPicPr>
+            <p:blipFill rotWithShape="1">
+              <a:blip r:embed="rId7">
+                <a:extLst>
+                  <a:ext uri="{28A0092B-C50C-407E-A947-70E740481C1C}">
+                    <a14:useLocalDpi xmlns:a14="http://schemas.microsoft.com/office/drawing/2010/main" val="0"/>
+                  </a:ext>
+                </a:extLst>
+              </a:blip>
+              <a:srcRect l="33423" t="13144" r="615" b="29391"/>
+              <a:stretch/>
+            </p:blipFill>
+            <p:spPr bwMode="auto">
+              <a:xfrm>
+                <a:off x="1048702" y="3695699"/>
+                <a:ext cx="1633538" cy="1165861"/>
+              </a:xfrm>
+              <a:prstGeom prst="rect">
+                <a:avLst/>
+              </a:prstGeom>
+              <a:noFill/>
+              <a:extLst>
+                <a:ext uri="{909E8E84-426E-40DD-AFC4-6F175D3DCCD1}">
+                  <a14:hiddenFill xmlns:a14="http://schemas.microsoft.com/office/drawing/2010/main">
+                    <a:solidFill>
+                      <a:srgbClr val="FFFFFF"/>
+                    </a:solidFill>
+                  </a14:hiddenFill>
+                </a:ext>
+              </a:extLst>
+            </p:spPr>
+          </p:pic>
+          <p:pic>
+            <p:nvPicPr>
+              <p:cNvPr id="1034" name="Picture 10">
+                <a:extLst>
+                  <a:ext uri="{FF2B5EF4-FFF2-40B4-BE49-F238E27FC236}">
+                    <a16:creationId xmlns:a16="http://schemas.microsoft.com/office/drawing/2014/main" id="{0AF30084-F742-4231-A2FE-816A8C437A4B}"/>
+                  </a:ext>
+                </a:extLst>
+              </p:cNvPr>
+              <p:cNvPicPr>
+                <a:picLocks noChangeAspect="1" noChangeArrowheads="1"/>
+              </p:cNvPicPr>
+              <p:nvPr/>
+            </p:nvPicPr>
+            <p:blipFill rotWithShape="1">
+              <a:blip r:embed="rId8">
+                <a:extLst>
+                  <a:ext uri="{28A0092B-C50C-407E-A947-70E740481C1C}">
+                    <a14:useLocalDpi xmlns:a14="http://schemas.microsoft.com/office/drawing/2010/main" val="0"/>
+                  </a:ext>
+                </a:extLst>
+              </a:blip>
+              <a:srcRect l="34039" t="13521" b="29436"/>
+              <a:stretch/>
+            </p:blipFill>
+            <p:spPr bwMode="auto">
+              <a:xfrm>
+                <a:off x="1850230" y="3703320"/>
+                <a:ext cx="1633539" cy="1157288"/>
+              </a:xfrm>
+              <a:prstGeom prst="rect">
+                <a:avLst/>
+              </a:prstGeom>
+              <a:noFill/>
+              <a:extLst>
+                <a:ext uri="{909E8E84-426E-40DD-AFC4-6F175D3DCCD1}">
+                  <a14:hiddenFill xmlns:a14="http://schemas.microsoft.com/office/drawing/2010/main">
+                    <a:solidFill>
+                      <a:srgbClr val="FFFFFF"/>
+                    </a:solidFill>
+                  </a14:hiddenFill>
+                </a:ext>
+              </a:extLst>
+            </p:spPr>
+          </p:pic>
+          <p:pic>
+            <p:nvPicPr>
+              <p:cNvPr id="1035" name="Picture 11">
+                <a:extLst>
+                  <a:ext uri="{FF2B5EF4-FFF2-40B4-BE49-F238E27FC236}">
+                    <a16:creationId xmlns:a16="http://schemas.microsoft.com/office/drawing/2014/main" id="{FF6B7110-2E62-4D93-8DBA-66819BA788D1}"/>
+                  </a:ext>
+                </a:extLst>
+              </p:cNvPr>
+              <p:cNvPicPr>
+                <a:picLocks noChangeAspect="1" noChangeArrowheads="1"/>
+              </p:cNvPicPr>
+              <p:nvPr/>
+            </p:nvPicPr>
+            <p:blipFill rotWithShape="1">
+              <a:blip r:embed="rId9">
+                <a:extLst>
+                  <a:ext uri="{28A0092B-C50C-407E-A947-70E740481C1C}">
+                    <a14:useLocalDpi xmlns:a14="http://schemas.microsoft.com/office/drawing/2010/main" val="0"/>
+                  </a:ext>
+                </a:extLst>
+              </a:blip>
+              <a:srcRect l="34039" t="13521" r="33596" b="29437"/>
+              <a:stretch/>
+            </p:blipFill>
+            <p:spPr bwMode="auto">
+              <a:xfrm>
+                <a:off x="2636541" y="3703319"/>
+                <a:ext cx="801529" cy="1157288"/>
+              </a:xfrm>
+              <a:prstGeom prst="rect">
+                <a:avLst/>
+              </a:prstGeom>
+              <a:noFill/>
+              <a:extLst>
+                <a:ext uri="{909E8E84-426E-40DD-AFC4-6F175D3DCCD1}">
+                  <a14:hiddenFill xmlns:a14="http://schemas.microsoft.com/office/drawing/2010/main">
+                    <a:solidFill>
+                      <a:srgbClr val="FFFFFF"/>
+                    </a:solidFill>
+                  </a14:hiddenFill>
+                </a:ext>
+              </a:extLst>
+            </p:spPr>
+          </p:pic>
+          <p:pic>
+            <p:nvPicPr>
+              <p:cNvPr id="1036" name="Picture 12">
+                <a:extLst>
+                  <a:ext uri="{FF2B5EF4-FFF2-40B4-BE49-F238E27FC236}">
+                    <a16:creationId xmlns:a16="http://schemas.microsoft.com/office/drawing/2014/main" id="{EFCC7DED-498C-4ABA-BD48-451AFF1A6EC8}"/>
+                  </a:ext>
+                </a:extLst>
+              </p:cNvPr>
+              <p:cNvPicPr>
+                <a:picLocks noChangeAspect="1" noChangeArrowheads="1"/>
+              </p:cNvPicPr>
+              <p:nvPr/>
+            </p:nvPicPr>
+            <p:blipFill rotWithShape="1">
+              <a:blip r:embed="rId10">
+                <a:extLst>
+                  <a:ext uri="{28A0092B-C50C-407E-A947-70E740481C1C}">
+                    <a14:useLocalDpi xmlns:a14="http://schemas.microsoft.com/office/drawing/2010/main" val="0"/>
+                  </a:ext>
+                </a:extLst>
+              </a:blip>
+              <a:srcRect l="34039" t="13521" r="32365" b="29389"/>
+              <a:stretch/>
+            </p:blipFill>
+            <p:spPr bwMode="auto">
+              <a:xfrm>
+                <a:off x="3438070" y="3703319"/>
+                <a:ext cx="832010" cy="1158241"/>
+              </a:xfrm>
+              <a:prstGeom prst="rect">
+                <a:avLst/>
+              </a:prstGeom>
+              <a:noFill/>
+              <a:extLst>
+                <a:ext uri="{909E8E84-426E-40DD-AFC4-6F175D3DCCD1}">
+                  <a14:hiddenFill xmlns:a14="http://schemas.microsoft.com/office/drawing/2010/main">
+                    <a:solidFill>
+                      <a:srgbClr val="FFFFFF"/>
+                    </a:solidFill>
+                  </a14:hiddenFill>
+                </a:ext>
+              </a:extLst>
+            </p:spPr>
+          </p:pic>
+        </p:grpSp>
+        <p:grpSp>
+          <p:nvGrpSpPr>
+            <p:cNvPr id="8" name="Grupo 7">
+              <a:extLst>
+                <a:ext uri="{FF2B5EF4-FFF2-40B4-BE49-F238E27FC236}">
+                  <a16:creationId xmlns:a16="http://schemas.microsoft.com/office/drawing/2014/main" id="{D671F882-6267-4F8E-B018-D8B8D6FE0AA4}"/>
+                </a:ext>
+              </a:extLst>
+            </p:cNvPr>
+            <p:cNvGrpSpPr/>
+            <p:nvPr/>
+          </p:nvGrpSpPr>
+          <p:grpSpPr>
+            <a:xfrm>
+              <a:off x="825458" y="2653020"/>
+              <a:ext cx="3191330" cy="1161969"/>
+              <a:chOff x="4805509" y="266699"/>
+              <a:chExt cx="3191330" cy="1161969"/>
+            </a:xfrm>
+          </p:grpSpPr>
+          <p:pic>
+            <p:nvPicPr>
+              <p:cNvPr id="1041" name="Picture 17">
+                <a:extLst>
+                  <a:ext uri="{FF2B5EF4-FFF2-40B4-BE49-F238E27FC236}">
+                    <a16:creationId xmlns:a16="http://schemas.microsoft.com/office/drawing/2014/main" id="{AE3DC250-740B-46E3-B017-0E822A219341}"/>
+                  </a:ext>
+                </a:extLst>
+              </p:cNvPr>
+              <p:cNvPicPr>
+                <a:picLocks noChangeAspect="1" noChangeArrowheads="1"/>
+              </p:cNvPicPr>
+              <p:nvPr/>
+            </p:nvPicPr>
+            <p:blipFill rotWithShape="1">
+              <a:blip r:embed="rId11">
+                <a:extLst>
+                  <a:ext uri="{28A0092B-C50C-407E-A947-70E740481C1C}">
+                    <a14:useLocalDpi xmlns:a14="http://schemas.microsoft.com/office/drawing/2010/main" val="0"/>
+                  </a:ext>
+                </a:extLst>
+              </a:blip>
+              <a:srcRect l="33508" t="13146" r="34463" b="29812"/>
+              <a:stretch/>
+            </p:blipFill>
+            <p:spPr bwMode="auto">
+              <a:xfrm>
+                <a:off x="4805509" y="266702"/>
+                <a:ext cx="793227" cy="1157288"/>
+              </a:xfrm>
+              <a:prstGeom prst="rect">
+                <a:avLst/>
+              </a:prstGeom>
+              <a:noFill/>
+              <a:extLst>
+                <a:ext uri="{909E8E84-426E-40DD-AFC4-6F175D3DCCD1}">
+                  <a14:hiddenFill xmlns:a14="http://schemas.microsoft.com/office/drawing/2010/main">
+                    <a:solidFill>
+                      <a:srgbClr val="FFFFFF"/>
+                    </a:solidFill>
+                  </a14:hiddenFill>
+                </a:ext>
+              </a:extLst>
+            </p:spPr>
+          </p:pic>
+          <p:pic>
+            <p:nvPicPr>
+              <p:cNvPr id="1042" name="Picture 18">
+                <a:extLst>
+                  <a:ext uri="{FF2B5EF4-FFF2-40B4-BE49-F238E27FC236}">
+                    <a16:creationId xmlns:a16="http://schemas.microsoft.com/office/drawing/2014/main" id="{3190CD51-E945-4CF6-9F0E-10680FC58470}"/>
+                  </a:ext>
+                </a:extLst>
+              </p:cNvPr>
+              <p:cNvPicPr>
+                <a:picLocks noChangeAspect="1" noChangeArrowheads="1"/>
+              </p:cNvPicPr>
+              <p:nvPr/>
+            </p:nvPicPr>
+            <p:blipFill rotWithShape="1">
+              <a:blip r:embed="rId12">
+                <a:extLst>
+                  <a:ext uri="{28A0092B-C50C-407E-A947-70E740481C1C}">
+                    <a14:useLocalDpi xmlns:a14="http://schemas.microsoft.com/office/drawing/2010/main" val="0"/>
+                  </a:ext>
+                </a:extLst>
+              </a:blip>
+              <a:srcRect l="33872" t="13145" r="34098" b="29812"/>
+              <a:stretch/>
+            </p:blipFill>
+            <p:spPr bwMode="auto">
+              <a:xfrm>
+                <a:off x="5615596" y="266699"/>
+                <a:ext cx="793228" cy="1157290"/>
+              </a:xfrm>
+              <a:prstGeom prst="rect">
+                <a:avLst/>
+              </a:prstGeom>
+              <a:noFill/>
+              <a:extLst>
+                <a:ext uri="{909E8E84-426E-40DD-AFC4-6F175D3DCCD1}">
+                  <a14:hiddenFill xmlns:a14="http://schemas.microsoft.com/office/drawing/2010/main">
+                    <a:solidFill>
+                      <a:srgbClr val="FFFFFF"/>
+                    </a:solidFill>
+                  </a14:hiddenFill>
+                </a:ext>
+              </a:extLst>
+            </p:spPr>
+          </p:pic>
+          <p:pic>
+            <p:nvPicPr>
+              <p:cNvPr id="1043" name="Picture 19">
+                <a:extLst>
+                  <a:ext uri="{FF2B5EF4-FFF2-40B4-BE49-F238E27FC236}">
+                    <a16:creationId xmlns:a16="http://schemas.microsoft.com/office/drawing/2014/main" id="{D0F9292D-ED9E-4479-B1C9-F5E44D2DF669}"/>
+                  </a:ext>
+                </a:extLst>
+              </p:cNvPr>
+              <p:cNvPicPr>
+                <a:picLocks noChangeAspect="1" noChangeArrowheads="1"/>
+              </p:cNvPicPr>
+              <p:nvPr/>
+            </p:nvPicPr>
+            <p:blipFill rotWithShape="1">
+              <a:blip r:embed="rId13">
+                <a:extLst>
+                  <a:ext uri="{28A0092B-C50C-407E-A947-70E740481C1C}">
+                    <a14:useLocalDpi xmlns:a14="http://schemas.microsoft.com/office/drawing/2010/main" val="0"/>
+                  </a:ext>
+                </a:extLst>
+              </a:blip>
+              <a:srcRect l="33492" t="13146" r="34478" b="29812"/>
+              <a:stretch/>
+            </p:blipFill>
+            <p:spPr bwMode="auto">
+              <a:xfrm>
+                <a:off x="6396291" y="266699"/>
+                <a:ext cx="793227" cy="1157290"/>
+              </a:xfrm>
+              <a:prstGeom prst="rect">
+                <a:avLst/>
+              </a:prstGeom>
+              <a:noFill/>
+              <a:extLst>
+                <a:ext uri="{909E8E84-426E-40DD-AFC4-6F175D3DCCD1}">
+                  <a14:hiddenFill xmlns:a14="http://schemas.microsoft.com/office/drawing/2010/main">
+                    <a:solidFill>
+                      <a:srgbClr val="FFFFFF"/>
+                    </a:solidFill>
+                  </a14:hiddenFill>
+                </a:ext>
+              </a:extLst>
+            </p:spPr>
+          </p:pic>
+          <p:pic>
+            <p:nvPicPr>
+              <p:cNvPr id="1044" name="Picture 20">
+                <a:extLst>
+                  <a:ext uri="{FF2B5EF4-FFF2-40B4-BE49-F238E27FC236}">
+                    <a16:creationId xmlns:a16="http://schemas.microsoft.com/office/drawing/2014/main" id="{304F3713-D50A-416C-BDDD-5A029A130618}"/>
+                  </a:ext>
+                </a:extLst>
+              </p:cNvPr>
+              <p:cNvPicPr>
+                <a:picLocks noChangeAspect="1" noChangeArrowheads="1"/>
+              </p:cNvPicPr>
+              <p:nvPr/>
+            </p:nvPicPr>
+            <p:blipFill rotWithShape="1">
+              <a:blip r:embed="rId14">
+                <a:extLst>
+                  <a:ext uri="{28A0092B-C50C-407E-A947-70E740481C1C}">
+                    <a14:useLocalDpi xmlns:a14="http://schemas.microsoft.com/office/drawing/2010/main" val="0"/>
+                  </a:ext>
+                </a:extLst>
+              </a:blip>
+              <a:srcRect l="34038" t="13145" r="33931" b="29812"/>
+              <a:stretch/>
+            </p:blipFill>
+            <p:spPr bwMode="auto">
+              <a:xfrm>
+                <a:off x="7203612" y="271378"/>
+                <a:ext cx="793227" cy="1157290"/>
+              </a:xfrm>
+              <a:prstGeom prst="rect">
+                <a:avLst/>
+              </a:prstGeom>
+              <a:noFill/>
+              <a:extLst>
+                <a:ext uri="{909E8E84-426E-40DD-AFC4-6F175D3DCCD1}">
+                  <a14:hiddenFill xmlns:a14="http://schemas.microsoft.com/office/drawing/2010/main">
+                    <a:solidFill>
+                      <a:srgbClr val="FFFFFF"/>
+                    </a:solidFill>
+                  </a14:hiddenFill>
+                </a:ext>
+              </a:extLst>
+            </p:spPr>
+          </p:pic>
+        </p:grpSp>
+        <p:grpSp>
+          <p:nvGrpSpPr>
+            <p:cNvPr id="9" name="Grupo 8">
+              <a:extLst>
+                <a:ext uri="{FF2B5EF4-FFF2-40B4-BE49-F238E27FC236}">
+                  <a16:creationId xmlns:a16="http://schemas.microsoft.com/office/drawing/2014/main" id="{C2F2787F-BA6E-4B68-B82F-6BD02EF0B209}"/>
+                </a:ext>
+              </a:extLst>
+            </p:cNvPr>
+            <p:cNvGrpSpPr/>
+            <p:nvPr/>
+          </p:nvGrpSpPr>
+          <p:grpSpPr>
+            <a:xfrm>
+              <a:off x="833439" y="3850147"/>
+              <a:ext cx="3166578" cy="1173481"/>
+              <a:chOff x="5168474" y="4594861"/>
+              <a:chExt cx="3166578" cy="1173481"/>
+            </a:xfrm>
+          </p:grpSpPr>
+          <p:pic>
+            <p:nvPicPr>
+              <p:cNvPr id="1049" name="Picture 25">
+                <a:extLst>
+                  <a:ext uri="{FF2B5EF4-FFF2-40B4-BE49-F238E27FC236}">
+                    <a16:creationId xmlns:a16="http://schemas.microsoft.com/office/drawing/2014/main" id="{75E39B1C-399A-47B9-88D2-68631224E2C0}"/>
+                  </a:ext>
+                </a:extLst>
+              </p:cNvPr>
+              <p:cNvPicPr>
+                <a:picLocks noChangeAspect="1" noChangeArrowheads="1"/>
+              </p:cNvPicPr>
+              <p:nvPr/>
+            </p:nvPicPr>
+            <p:blipFill rotWithShape="1">
+              <a:blip r:embed="rId15">
+                <a:extLst>
+                  <a:ext uri="{28A0092B-C50C-407E-A947-70E740481C1C}">
+                    <a14:useLocalDpi xmlns:a14="http://schemas.microsoft.com/office/drawing/2010/main" val="0"/>
+                  </a:ext>
+                </a:extLst>
+              </a:blip>
+              <a:srcRect l="31794" t="13059" r="35841" b="29101"/>
+              <a:stretch/>
+            </p:blipFill>
+            <p:spPr bwMode="auto">
+              <a:xfrm>
+                <a:off x="6710622" y="4594861"/>
+                <a:ext cx="801530" cy="1173480"/>
+              </a:xfrm>
+              <a:prstGeom prst="rect">
+                <a:avLst/>
+              </a:prstGeom>
+              <a:noFill/>
+              <a:extLst>
+                <a:ext uri="{909E8E84-426E-40DD-AFC4-6F175D3DCCD1}">
+                  <a14:hiddenFill xmlns:a14="http://schemas.microsoft.com/office/drawing/2010/main">
+                    <a:solidFill>
+                      <a:srgbClr val="FFFFFF"/>
+                    </a:solidFill>
+                  </a14:hiddenFill>
+                </a:ext>
+              </a:extLst>
+            </p:spPr>
+          </p:pic>
+          <p:pic>
+            <p:nvPicPr>
+              <p:cNvPr id="1048" name="Picture 24">
+                <a:extLst>
+                  <a:ext uri="{FF2B5EF4-FFF2-40B4-BE49-F238E27FC236}">
+                    <a16:creationId xmlns:a16="http://schemas.microsoft.com/office/drawing/2014/main" id="{CBC3365E-4BC8-47FA-A667-3567D78EBDCA}"/>
+                  </a:ext>
+                </a:extLst>
+              </p:cNvPr>
+              <p:cNvPicPr>
+                <a:picLocks noChangeAspect="1" noChangeArrowheads="1"/>
+              </p:cNvPicPr>
+              <p:nvPr/>
+            </p:nvPicPr>
+            <p:blipFill rotWithShape="1">
+              <a:blip r:embed="rId16">
+                <a:extLst>
+                  <a:ext uri="{28A0092B-C50C-407E-A947-70E740481C1C}">
+                    <a14:useLocalDpi xmlns:a14="http://schemas.microsoft.com/office/drawing/2010/main" val="0"/>
+                  </a:ext>
+                </a:extLst>
+              </a:blip>
+              <a:srcRect l="34197" t="13059" r="34039" b="29101"/>
+              <a:stretch/>
+            </p:blipFill>
+            <p:spPr bwMode="auto">
+              <a:xfrm>
+                <a:off x="5970003" y="4594862"/>
+                <a:ext cx="786629" cy="1173480"/>
+              </a:xfrm>
+              <a:prstGeom prst="rect">
+                <a:avLst/>
+              </a:prstGeom>
+              <a:noFill/>
+              <a:extLst>
+                <a:ext uri="{909E8E84-426E-40DD-AFC4-6F175D3DCCD1}">
+                  <a14:hiddenFill xmlns:a14="http://schemas.microsoft.com/office/drawing/2010/main">
+                    <a:solidFill>
+                      <a:srgbClr val="FFFFFF"/>
+                    </a:solidFill>
+                  </a14:hiddenFill>
+                </a:ext>
+              </a:extLst>
+            </p:spPr>
+          </p:pic>
+          <p:pic>
+            <p:nvPicPr>
+              <p:cNvPr id="1050" name="Picture 26">
+                <a:extLst>
+                  <a:ext uri="{FF2B5EF4-FFF2-40B4-BE49-F238E27FC236}">
+                    <a16:creationId xmlns:a16="http://schemas.microsoft.com/office/drawing/2014/main" id="{C5E8E438-1E4E-4EE0-8E44-67146171E570}"/>
+                  </a:ext>
+                </a:extLst>
+              </p:cNvPr>
+              <p:cNvPicPr>
+                <a:picLocks noChangeAspect="1" noChangeArrowheads="1"/>
+              </p:cNvPicPr>
+              <p:nvPr/>
+            </p:nvPicPr>
+            <p:blipFill rotWithShape="1">
+              <a:blip r:embed="rId17">
+                <a:extLst>
+                  <a:ext uri="{28A0092B-C50C-407E-A947-70E740481C1C}">
+                    <a14:useLocalDpi xmlns:a14="http://schemas.microsoft.com/office/drawing/2010/main" val="0"/>
+                  </a:ext>
+                </a:extLst>
+              </a:blip>
+              <a:srcRect l="33497" t="13067" r="34138" b="29092"/>
+              <a:stretch/>
+            </p:blipFill>
+            <p:spPr bwMode="auto">
+              <a:xfrm>
+                <a:off x="5168474" y="4594861"/>
+                <a:ext cx="801530" cy="1173480"/>
+              </a:xfrm>
+              <a:prstGeom prst="rect">
+                <a:avLst/>
+              </a:prstGeom>
+              <a:noFill/>
+              <a:extLst>
+                <a:ext uri="{909E8E84-426E-40DD-AFC4-6F175D3DCCD1}">
+                  <a14:hiddenFill xmlns:a14="http://schemas.microsoft.com/office/drawing/2010/main">
+                    <a:solidFill>
+                      <a:srgbClr val="FFFFFF"/>
+                    </a:solidFill>
+                  </a14:hiddenFill>
+                </a:ext>
+              </a:extLst>
+            </p:spPr>
+          </p:pic>
+          <p:pic>
+            <p:nvPicPr>
+              <p:cNvPr id="1051" name="Picture 27">
+                <a:extLst>
+                  <a:ext uri="{FF2B5EF4-FFF2-40B4-BE49-F238E27FC236}">
+                    <a16:creationId xmlns:a16="http://schemas.microsoft.com/office/drawing/2014/main" id="{434DC1EA-5048-4E1E-BE76-D39A8171A7B8}"/>
+                  </a:ext>
+                </a:extLst>
+              </p:cNvPr>
+              <p:cNvPicPr>
+                <a:picLocks noChangeAspect="1" noChangeArrowheads="1"/>
+              </p:cNvPicPr>
+              <p:nvPr/>
+            </p:nvPicPr>
+            <p:blipFill rotWithShape="1">
+              <a:blip r:embed="rId18">
+                <a:extLst>
+                  <a:ext uri="{28A0092B-C50C-407E-A947-70E740481C1C}">
+                    <a14:useLocalDpi xmlns:a14="http://schemas.microsoft.com/office/drawing/2010/main" val="0"/>
+                  </a:ext>
+                </a:extLst>
+              </a:blip>
+              <a:srcRect l="33783" t="13059" r="34454" b="29101"/>
+              <a:stretch/>
+            </p:blipFill>
+            <p:spPr bwMode="auto">
+              <a:xfrm>
+                <a:off x="7548422" y="4594861"/>
+                <a:ext cx="786630" cy="1173480"/>
+              </a:xfrm>
+              <a:prstGeom prst="rect">
+                <a:avLst/>
+              </a:prstGeom>
+              <a:noFill/>
+              <a:extLst>
+                <a:ext uri="{909E8E84-426E-40DD-AFC4-6F175D3DCCD1}">
+                  <a14:hiddenFill xmlns:a14="http://schemas.microsoft.com/office/drawing/2010/main">
+                    <a:solidFill>
+                      <a:srgbClr val="FFFFFF"/>
+                    </a:solidFill>
+                  </a14:hiddenFill>
+                </a:ext>
+              </a:extLst>
+            </p:spPr>
+          </p:pic>
+        </p:grpSp>
+        <p:grpSp>
+          <p:nvGrpSpPr>
+            <p:cNvPr id="13" name="Grupo 12">
+              <a:extLst>
+                <a:ext uri="{FF2B5EF4-FFF2-40B4-BE49-F238E27FC236}">
+                  <a16:creationId xmlns:a16="http://schemas.microsoft.com/office/drawing/2014/main" id="{5D210D2A-8F05-4359-B4B4-EF65F00C9C1B}"/>
+                </a:ext>
+              </a:extLst>
+            </p:cNvPr>
+            <p:cNvGrpSpPr/>
+            <p:nvPr/>
+          </p:nvGrpSpPr>
+          <p:grpSpPr>
+            <a:xfrm>
+              <a:off x="824668" y="5044440"/>
+              <a:ext cx="3182969" cy="1173481"/>
+              <a:chOff x="824668" y="5265420"/>
+              <a:chExt cx="3182969" cy="1173481"/>
+            </a:xfrm>
+          </p:grpSpPr>
+          <p:pic>
+            <p:nvPicPr>
+              <p:cNvPr id="1054" name="Picture 30">
+                <a:extLst>
+                  <a:ext uri="{FF2B5EF4-FFF2-40B4-BE49-F238E27FC236}">
+                    <a16:creationId xmlns:a16="http://schemas.microsoft.com/office/drawing/2014/main" id="{936640A1-D52E-4FE3-9DC8-0981DEF4F879}"/>
+                  </a:ext>
+                </a:extLst>
+              </p:cNvPr>
+              <p:cNvPicPr>
+                <a:picLocks noChangeAspect="1" noChangeArrowheads="1"/>
+              </p:cNvPicPr>
+              <p:nvPr/>
+            </p:nvPicPr>
+            <p:blipFill rotWithShape="1">
+              <a:blip r:embed="rId19">
+                <a:extLst>
+                  <a:ext uri="{28A0092B-C50C-407E-A947-70E740481C1C}">
+                    <a14:useLocalDpi xmlns:a14="http://schemas.microsoft.com/office/drawing/2010/main" val="0"/>
+                  </a:ext>
+                </a:extLst>
+              </a:blip>
+              <a:srcRect l="33254" t="13155" r="34381" b="29005"/>
+              <a:stretch/>
+            </p:blipFill>
+            <p:spPr bwMode="auto">
+              <a:xfrm>
+                <a:off x="824668" y="5265421"/>
+                <a:ext cx="801530" cy="1173480"/>
+              </a:xfrm>
+              <a:prstGeom prst="rect">
+                <a:avLst/>
+              </a:prstGeom>
+              <a:noFill/>
+              <a:extLst>
+                <a:ext uri="{909E8E84-426E-40DD-AFC4-6F175D3DCCD1}">
+                  <a14:hiddenFill xmlns:a14="http://schemas.microsoft.com/office/drawing/2010/main">
+                    <a:solidFill>
+                      <a:srgbClr val="FFFFFF"/>
+                    </a:solidFill>
+                  </a14:hiddenFill>
+                </a:ext>
+              </a:extLst>
+            </p:spPr>
+          </p:pic>
+          <p:pic>
+            <p:nvPicPr>
+              <p:cNvPr id="1055" name="Picture 31">
+                <a:extLst>
+                  <a:ext uri="{FF2B5EF4-FFF2-40B4-BE49-F238E27FC236}">
+                    <a16:creationId xmlns:a16="http://schemas.microsoft.com/office/drawing/2014/main" id="{5C39FB4B-88A6-4AF6-BE1D-7364B48802F4}"/>
+                  </a:ext>
+                </a:extLst>
+              </p:cNvPr>
+              <p:cNvPicPr>
+                <a:picLocks noChangeAspect="1" noChangeArrowheads="1"/>
+              </p:cNvPicPr>
+              <p:nvPr/>
+            </p:nvPicPr>
+            <p:blipFill rotWithShape="1">
+              <a:blip r:embed="rId20">
+                <a:extLst>
+                  <a:ext uri="{28A0092B-C50C-407E-A947-70E740481C1C}">
+                    <a14:useLocalDpi xmlns:a14="http://schemas.microsoft.com/office/drawing/2010/main" val="0"/>
+                  </a:ext>
+                </a:extLst>
+              </a:blip>
+              <a:srcRect l="33556" t="13155" r="34681" b="29004"/>
+              <a:stretch/>
+            </p:blipFill>
+            <p:spPr bwMode="auto">
+              <a:xfrm>
+                <a:off x="1626198" y="5265420"/>
+                <a:ext cx="786629" cy="1173480"/>
+              </a:xfrm>
+              <a:prstGeom prst="rect">
+                <a:avLst/>
+              </a:prstGeom>
+              <a:noFill/>
+              <a:extLst>
+                <a:ext uri="{909E8E84-426E-40DD-AFC4-6F175D3DCCD1}">
+                  <a14:hiddenFill xmlns:a14="http://schemas.microsoft.com/office/drawing/2010/main">
+                    <a:solidFill>
+                      <a:srgbClr val="FFFFFF"/>
+                    </a:solidFill>
+                  </a14:hiddenFill>
+                </a:ext>
+              </a:extLst>
+            </p:spPr>
+          </p:pic>
+          <p:pic>
+            <p:nvPicPr>
+              <p:cNvPr id="1056" name="Picture 32">
+                <a:extLst>
+                  <a:ext uri="{FF2B5EF4-FFF2-40B4-BE49-F238E27FC236}">
+                    <a16:creationId xmlns:a16="http://schemas.microsoft.com/office/drawing/2014/main" id="{C9D776BC-4B5B-4608-ACEB-4B9649893990}"/>
+                  </a:ext>
+                </a:extLst>
+              </p:cNvPr>
+              <p:cNvPicPr>
+                <a:picLocks noChangeAspect="1" noChangeArrowheads="1"/>
+              </p:cNvPicPr>
+              <p:nvPr/>
+            </p:nvPicPr>
+            <p:blipFill rotWithShape="1">
+              <a:blip r:embed="rId21">
+                <a:extLst>
+                  <a:ext uri="{28A0092B-C50C-407E-A947-70E740481C1C}">
+                    <a14:useLocalDpi xmlns:a14="http://schemas.microsoft.com/office/drawing/2010/main" val="0"/>
+                  </a:ext>
+                </a:extLst>
+              </a:blip>
+              <a:srcRect l="34327" t="13155" r="34327" b="29004"/>
+              <a:stretch/>
+            </p:blipFill>
+            <p:spPr bwMode="auto">
+              <a:xfrm>
+                <a:off x="2430780" y="5265420"/>
+                <a:ext cx="776289" cy="1173480"/>
+              </a:xfrm>
+              <a:prstGeom prst="rect">
+                <a:avLst/>
+              </a:prstGeom>
+              <a:noFill/>
+              <a:extLst>
+                <a:ext uri="{909E8E84-426E-40DD-AFC4-6F175D3DCCD1}">
+                  <a14:hiddenFill xmlns:a14="http://schemas.microsoft.com/office/drawing/2010/main">
+                    <a:solidFill>
+                      <a:srgbClr val="FFFFFF"/>
+                    </a:solidFill>
+                  </a14:hiddenFill>
+                </a:ext>
+              </a:extLst>
+            </p:spPr>
+          </p:pic>
+          <p:pic>
+            <p:nvPicPr>
+              <p:cNvPr id="1057" name="Picture 33">
+                <a:extLst>
+                  <a:ext uri="{FF2B5EF4-FFF2-40B4-BE49-F238E27FC236}">
+                    <a16:creationId xmlns:a16="http://schemas.microsoft.com/office/drawing/2014/main" id="{CFA68053-1903-4DF3-A098-CD8B5270A2C2}"/>
+                  </a:ext>
+                </a:extLst>
+              </p:cNvPr>
+              <p:cNvPicPr>
+                <a:picLocks noChangeAspect="1" noChangeArrowheads="1"/>
+              </p:cNvPicPr>
+              <p:nvPr/>
+            </p:nvPicPr>
+            <p:blipFill rotWithShape="1">
+              <a:blip r:embed="rId22">
+                <a:extLst>
+                  <a:ext uri="{28A0092B-C50C-407E-A947-70E740481C1C}">
+                    <a14:useLocalDpi xmlns:a14="http://schemas.microsoft.com/office/drawing/2010/main" val="0"/>
+                  </a:ext>
+                </a:extLst>
+              </a:blip>
+              <a:srcRect l="34322" t="13155" r="34118" b="29004"/>
+              <a:stretch/>
+            </p:blipFill>
+            <p:spPr bwMode="auto">
+              <a:xfrm>
+                <a:off x="3226042" y="5265420"/>
+                <a:ext cx="781595" cy="1173480"/>
+              </a:xfrm>
+              <a:prstGeom prst="rect">
+                <a:avLst/>
+              </a:prstGeom>
+              <a:noFill/>
+              <a:extLst>
+                <a:ext uri="{909E8E84-426E-40DD-AFC4-6F175D3DCCD1}">
+                  <a14:hiddenFill xmlns:a14="http://schemas.microsoft.com/office/drawing/2010/main">
+                    <a:solidFill>
+                      <a:srgbClr val="FFFFFF"/>
+                    </a:solidFill>
+                  </a14:hiddenFill>
+                </a:ext>
+              </a:extLst>
+            </p:spPr>
+          </p:pic>
+        </p:grpSp>
+      </p:grpSp>
+      <p:grpSp>
+        <p:nvGrpSpPr>
+          <p:cNvPr id="15" name="Grupo 14">
+            <a:extLst>
+              <a:ext uri="{FF2B5EF4-FFF2-40B4-BE49-F238E27FC236}">
+                <a16:creationId xmlns:a16="http://schemas.microsoft.com/office/drawing/2014/main" id="{8FC021F9-A94C-4022-B778-3BA1B68D354D}"/>
+              </a:ext>
+            </a:extLst>
+          </p:cNvPr>
+          <p:cNvGrpSpPr/>
+          <p:nvPr/>
+        </p:nvGrpSpPr>
+        <p:grpSpPr>
+          <a:xfrm>
+            <a:off x="5535099" y="268318"/>
+            <a:ext cx="3173833" cy="6454225"/>
+            <a:chOff x="5535099" y="268318"/>
+            <a:chExt cx="3173833" cy="6454225"/>
+          </a:xfrm>
+        </p:grpSpPr>
+        <p:grpSp>
+          <p:nvGrpSpPr>
+            <p:cNvPr id="4" name="Grupo 3">
+              <a:extLst>
+                <a:ext uri="{FF2B5EF4-FFF2-40B4-BE49-F238E27FC236}">
+                  <a16:creationId xmlns:a16="http://schemas.microsoft.com/office/drawing/2014/main" id="{B52D8BB8-FDD8-481C-8368-395BAA5FC961}"/>
+                </a:ext>
+              </a:extLst>
+            </p:cNvPr>
+            <p:cNvGrpSpPr/>
+            <p:nvPr/>
+          </p:nvGrpSpPr>
+          <p:grpSpPr>
+            <a:xfrm>
+              <a:off x="5550339" y="268318"/>
+              <a:ext cx="3015576" cy="1308735"/>
+              <a:chOff x="904875" y="2021205"/>
+              <a:chExt cx="3015576" cy="1308735"/>
+            </a:xfrm>
+          </p:grpSpPr>
+          <p:pic>
+            <p:nvPicPr>
+              <p:cNvPr id="1030" name="Picture 6">
+                <a:extLst>
+                  <a:ext uri="{FF2B5EF4-FFF2-40B4-BE49-F238E27FC236}">
+                    <a16:creationId xmlns:a16="http://schemas.microsoft.com/office/drawing/2014/main" id="{287E19AA-7F26-4E56-B739-4AFF684502A0}"/>
+                  </a:ext>
+                </a:extLst>
+              </p:cNvPr>
+              <p:cNvPicPr>
+                <a:picLocks noChangeAspect="1" noChangeArrowheads="1"/>
+              </p:cNvPicPr>
+              <p:nvPr/>
+            </p:nvPicPr>
+            <p:blipFill rotWithShape="1">
+              <a:blip r:embed="rId23">
+                <a:extLst>
+                  <a:ext uri="{28A0092B-C50C-407E-A947-70E740481C1C}">
+                    <a14:useLocalDpi xmlns:a14="http://schemas.microsoft.com/office/drawing/2010/main" val="0"/>
+                  </a:ext>
+                </a:extLst>
+              </a:blip>
+              <a:srcRect l="34039" t="10798" b="25070"/>
+              <a:stretch/>
+            </p:blipFill>
+            <p:spPr bwMode="auto">
+              <a:xfrm>
+                <a:off x="904875" y="2028825"/>
+                <a:ext cx="1633538" cy="1301114"/>
+              </a:xfrm>
+              <a:prstGeom prst="rect">
+                <a:avLst/>
+              </a:prstGeom>
+              <a:noFill/>
+              <a:extLst>
+                <a:ext uri="{909E8E84-426E-40DD-AFC4-6F175D3DCCD1}">
+                  <a14:hiddenFill xmlns:a14="http://schemas.microsoft.com/office/drawing/2010/main">
+                    <a:solidFill>
+                      <a:srgbClr val="FFFFFF"/>
+                    </a:solidFill>
+                  </a14:hiddenFill>
+                </a:ext>
+              </a:extLst>
+            </p:spPr>
+          </p:pic>
+          <p:pic>
+            <p:nvPicPr>
+              <p:cNvPr id="1031" name="Picture 7">
+                <a:extLst>
+                  <a:ext uri="{FF2B5EF4-FFF2-40B4-BE49-F238E27FC236}">
+                    <a16:creationId xmlns:a16="http://schemas.microsoft.com/office/drawing/2014/main" id="{E022A4D2-4A24-4592-9F53-0B338D8BF9BE}"/>
+                  </a:ext>
+                </a:extLst>
+              </p:cNvPr>
+              <p:cNvPicPr>
+                <a:picLocks noChangeAspect="1" noChangeArrowheads="1"/>
+              </p:cNvPicPr>
+              <p:nvPr/>
+            </p:nvPicPr>
+            <p:blipFill rotWithShape="1">
+              <a:blip r:embed="rId24">
+                <a:extLst>
+                  <a:ext uri="{28A0092B-C50C-407E-A947-70E740481C1C}">
+                    <a14:useLocalDpi xmlns:a14="http://schemas.microsoft.com/office/drawing/2010/main" val="0"/>
+                  </a:ext>
+                </a:extLst>
+              </a:blip>
+              <a:srcRect l="34037" t="10424" r="1" b="25446"/>
+              <a:stretch/>
+            </p:blipFill>
+            <p:spPr bwMode="auto">
+              <a:xfrm>
+                <a:off x="1683068" y="2021205"/>
+                <a:ext cx="1633538" cy="1301114"/>
+              </a:xfrm>
+              <a:prstGeom prst="rect">
+                <a:avLst/>
+              </a:prstGeom>
+              <a:noFill/>
+              <a:extLst>
+                <a:ext uri="{909E8E84-426E-40DD-AFC4-6F175D3DCCD1}">
+                  <a14:hiddenFill xmlns:a14="http://schemas.microsoft.com/office/drawing/2010/main">
+                    <a:solidFill>
+                      <a:srgbClr val="FFFFFF"/>
+                    </a:solidFill>
+                  </a14:hiddenFill>
+                </a:ext>
+              </a:extLst>
+            </p:spPr>
+          </p:pic>
+          <p:pic>
+            <p:nvPicPr>
+              <p:cNvPr id="1032" name="Picture 8">
+                <a:extLst>
+                  <a:ext uri="{FF2B5EF4-FFF2-40B4-BE49-F238E27FC236}">
+                    <a16:creationId xmlns:a16="http://schemas.microsoft.com/office/drawing/2014/main" id="{B1CD15DD-59CA-4372-8268-4A6FE3F817D3}"/>
+                  </a:ext>
+                </a:extLst>
+              </p:cNvPr>
+              <p:cNvPicPr>
+                <a:picLocks noChangeAspect="1" noChangeArrowheads="1"/>
+              </p:cNvPicPr>
+              <p:nvPr/>
+            </p:nvPicPr>
+            <p:blipFill rotWithShape="1">
+              <a:blip r:embed="rId25">
+                <a:extLst>
+                  <a:ext uri="{28A0092B-C50C-407E-A947-70E740481C1C}">
+                    <a14:useLocalDpi xmlns:a14="http://schemas.microsoft.com/office/drawing/2010/main" val="0"/>
+                  </a:ext>
+                </a:extLst>
+              </a:blip>
+              <a:srcRect r="7442"/>
+              <a:stretch/>
+            </p:blipFill>
+            <p:spPr bwMode="auto">
+              <a:xfrm>
+                <a:off x="2450435" y="2028826"/>
+                <a:ext cx="1470016" cy="1301114"/>
+              </a:xfrm>
+              <a:prstGeom prst="rect">
+                <a:avLst/>
+              </a:prstGeom>
+              <a:noFill/>
+              <a:extLst>
+                <a:ext uri="{909E8E84-426E-40DD-AFC4-6F175D3DCCD1}">
+                  <a14:hiddenFill xmlns:a14="http://schemas.microsoft.com/office/drawing/2010/main">
+                    <a:solidFill>
+                      <a:srgbClr val="FFFFFF"/>
+                    </a:solidFill>
+                  </a14:hiddenFill>
+                </a:ext>
+              </a:extLst>
+            </p:spPr>
+          </p:pic>
+        </p:grpSp>
+        <p:grpSp>
+          <p:nvGrpSpPr>
+            <p:cNvPr id="6" name="Grupo 5">
+              <a:extLst>
+                <a:ext uri="{FF2B5EF4-FFF2-40B4-BE49-F238E27FC236}">
+                  <a16:creationId xmlns:a16="http://schemas.microsoft.com/office/drawing/2014/main" id="{5630CEB4-BFCD-42EF-B240-47CBA8F2A084}"/>
+                </a:ext>
+              </a:extLst>
+            </p:cNvPr>
+            <p:cNvGrpSpPr/>
+            <p:nvPr/>
+          </p:nvGrpSpPr>
+          <p:grpSpPr>
+            <a:xfrm>
+              <a:off x="5535099" y="1548120"/>
+              <a:ext cx="3166213" cy="1289460"/>
+              <a:chOff x="900637" y="4367856"/>
+              <a:chExt cx="3166213" cy="1289460"/>
+            </a:xfrm>
+          </p:grpSpPr>
+          <p:pic>
+            <p:nvPicPr>
+              <p:cNvPr id="1037" name="Picture 13">
+                <a:extLst>
+                  <a:ext uri="{FF2B5EF4-FFF2-40B4-BE49-F238E27FC236}">
+                    <a16:creationId xmlns:a16="http://schemas.microsoft.com/office/drawing/2014/main" id="{672803B2-6414-4A6B-8BDF-4EB2379D6201}"/>
+                  </a:ext>
+                </a:extLst>
+              </p:cNvPr>
+              <p:cNvPicPr>
+                <a:picLocks noChangeAspect="1" noChangeArrowheads="1"/>
+              </p:cNvPicPr>
+              <p:nvPr/>
+            </p:nvPicPr>
+            <p:blipFill rotWithShape="1">
+              <a:blip r:embed="rId23">
+                <a:extLst>
+                  <a:ext uri="{28A0092B-C50C-407E-A947-70E740481C1C}">
+                    <a14:useLocalDpi xmlns:a14="http://schemas.microsoft.com/office/drawing/2010/main" val="0"/>
+                  </a:ext>
+                </a:extLst>
+              </a:blip>
+              <a:srcRect l="34039" t="11972" b="26083"/>
+              <a:stretch/>
+            </p:blipFill>
+            <p:spPr bwMode="auto">
+              <a:xfrm>
+                <a:off x="900637" y="4400547"/>
+                <a:ext cx="1633539" cy="1256768"/>
+              </a:xfrm>
+              <a:prstGeom prst="rect">
+                <a:avLst/>
+              </a:prstGeom>
+              <a:noFill/>
+              <a:extLst>
+                <a:ext uri="{909E8E84-426E-40DD-AFC4-6F175D3DCCD1}">
+                  <a14:hiddenFill xmlns:a14="http://schemas.microsoft.com/office/drawing/2010/main">
+                    <a:solidFill>
+                      <a:srgbClr val="FFFFFF"/>
+                    </a:solidFill>
+                  </a14:hiddenFill>
+                </a:ext>
+              </a:extLst>
+            </p:spPr>
+          </p:pic>
+          <p:pic>
+            <p:nvPicPr>
+              <p:cNvPr id="1039" name="Picture 15">
+                <a:extLst>
+                  <a:ext uri="{FF2B5EF4-FFF2-40B4-BE49-F238E27FC236}">
+                    <a16:creationId xmlns:a16="http://schemas.microsoft.com/office/drawing/2014/main" id="{48080F44-655B-445D-84F4-1B570D24F298}"/>
+                  </a:ext>
+                </a:extLst>
+              </p:cNvPr>
+              <p:cNvPicPr>
+                <a:picLocks noChangeAspect="1" noChangeArrowheads="1"/>
+              </p:cNvPicPr>
+              <p:nvPr/>
+            </p:nvPicPr>
+            <p:blipFill>
+              <a:blip r:embed="rId26">
+                <a:extLst>
+                  <a:ext uri="{28A0092B-C50C-407E-A947-70E740481C1C}">
+                    <a14:useLocalDpi xmlns:a14="http://schemas.microsoft.com/office/drawing/2010/main" val="0"/>
+                  </a:ext>
+                </a:extLst>
+              </a:blip>
+              <a:srcRect/>
+              <a:stretch>
+                <a:fillRect/>
+              </a:stretch>
+            </p:blipFill>
+            <p:spPr bwMode="auto">
+              <a:xfrm>
+                <a:off x="2492862" y="4367856"/>
+                <a:ext cx="1573988" cy="1289459"/>
+              </a:xfrm>
+              <a:prstGeom prst="rect">
+                <a:avLst/>
+              </a:prstGeom>
+              <a:noFill/>
+              <a:extLst>
+                <a:ext uri="{909E8E84-426E-40DD-AFC4-6F175D3DCCD1}">
+                  <a14:hiddenFill xmlns:a14="http://schemas.microsoft.com/office/drawing/2010/main">
+                    <a:solidFill>
+                      <a:srgbClr val="FFFFFF"/>
+                    </a:solidFill>
+                  </a14:hiddenFill>
+                </a:ext>
+              </a:extLst>
+            </p:spPr>
+          </p:pic>
+          <p:pic>
+            <p:nvPicPr>
+              <p:cNvPr id="1038" name="Picture 14">
+                <a:extLst>
+                  <a:ext uri="{FF2B5EF4-FFF2-40B4-BE49-F238E27FC236}">
+                    <a16:creationId xmlns:a16="http://schemas.microsoft.com/office/drawing/2014/main" id="{86B060FB-C47C-4E34-88DC-FE3B19F93499}"/>
+                  </a:ext>
+                </a:extLst>
+              </p:cNvPr>
+              <p:cNvPicPr>
+                <a:picLocks noChangeAspect="1" noChangeArrowheads="1"/>
+              </p:cNvPicPr>
+              <p:nvPr/>
+            </p:nvPicPr>
+            <p:blipFill rotWithShape="1">
+              <a:blip r:embed="rId27">
+                <a:extLst>
+                  <a:ext uri="{28A0092B-C50C-407E-A947-70E740481C1C}">
+                    <a14:useLocalDpi xmlns:a14="http://schemas.microsoft.com/office/drawing/2010/main" val="0"/>
+                  </a:ext>
+                </a:extLst>
+              </a:blip>
+              <a:srcRect l="33864" t="12019" r="34386" b="26083"/>
+              <a:stretch/>
+            </p:blipFill>
+            <p:spPr bwMode="auto">
+              <a:xfrm>
+                <a:off x="1686338" y="4401500"/>
+                <a:ext cx="786312" cy="1255816"/>
+              </a:xfrm>
+              <a:prstGeom prst="rect">
+                <a:avLst/>
+              </a:prstGeom>
+              <a:noFill/>
+              <a:extLst>
+                <a:ext uri="{909E8E84-426E-40DD-AFC4-6F175D3DCCD1}">
+                  <a14:hiddenFill xmlns:a14="http://schemas.microsoft.com/office/drawing/2010/main">
+                    <a:solidFill>
+                      <a:srgbClr val="FFFFFF"/>
+                    </a:solidFill>
+                  </a14:hiddenFill>
+                </a:ext>
+              </a:extLst>
+            </p:spPr>
+          </p:pic>
+        </p:grpSp>
+        <p:grpSp>
+          <p:nvGrpSpPr>
+            <p:cNvPr id="7" name="Grupo 6">
+              <a:extLst>
+                <a:ext uri="{FF2B5EF4-FFF2-40B4-BE49-F238E27FC236}">
+                  <a16:creationId xmlns:a16="http://schemas.microsoft.com/office/drawing/2014/main" id="{DA1705AE-5563-411D-8E90-38BD0FA5AC09}"/>
+                </a:ext>
+              </a:extLst>
+            </p:cNvPr>
+            <p:cNvGrpSpPr/>
+            <p:nvPr/>
+          </p:nvGrpSpPr>
+          <p:grpSpPr>
+            <a:xfrm>
+              <a:off x="5539468" y="2828584"/>
+              <a:ext cx="3162712" cy="1331594"/>
+              <a:chOff x="4650654" y="2251707"/>
+              <a:chExt cx="3162712" cy="1331594"/>
+            </a:xfrm>
+          </p:grpSpPr>
+          <p:pic>
+            <p:nvPicPr>
+              <p:cNvPr id="41" name="Picture 6">
+                <a:extLst>
+                  <a:ext uri="{FF2B5EF4-FFF2-40B4-BE49-F238E27FC236}">
+                    <a16:creationId xmlns:a16="http://schemas.microsoft.com/office/drawing/2014/main" id="{C8B9E1AC-9D01-48BE-8FE2-B4BD735B6907}"/>
+                  </a:ext>
+                </a:extLst>
+              </p:cNvPr>
+              <p:cNvPicPr>
+                <a:picLocks noChangeAspect="1" noChangeArrowheads="1"/>
+              </p:cNvPicPr>
+              <p:nvPr/>
+            </p:nvPicPr>
+            <p:blipFill rotWithShape="1">
+              <a:blip r:embed="rId23">
+                <a:extLst>
+                  <a:ext uri="{28A0092B-C50C-407E-A947-70E740481C1C}">
+                    <a14:useLocalDpi xmlns:a14="http://schemas.microsoft.com/office/drawing/2010/main" val="0"/>
+                  </a:ext>
+                </a:extLst>
+              </a:blip>
+              <a:srcRect l="34039" t="10798" b="25070"/>
+              <a:stretch/>
+            </p:blipFill>
+            <p:spPr bwMode="auto">
+              <a:xfrm>
+                <a:off x="4650654" y="2266947"/>
+                <a:ext cx="1633538" cy="1301114"/>
+              </a:xfrm>
+              <a:prstGeom prst="rect">
+                <a:avLst/>
+              </a:prstGeom>
+              <a:noFill/>
+              <a:extLst>
+                <a:ext uri="{909E8E84-426E-40DD-AFC4-6F175D3DCCD1}">
+                  <a14:hiddenFill xmlns:a14="http://schemas.microsoft.com/office/drawing/2010/main">
+                    <a:solidFill>
+                      <a:srgbClr val="FFFFFF"/>
+                    </a:solidFill>
+                  </a14:hiddenFill>
+                </a:ext>
+              </a:extLst>
+            </p:spPr>
+          </p:pic>
+          <p:pic>
+            <p:nvPicPr>
+              <p:cNvPr id="1046" name="Picture 22">
+                <a:extLst>
+                  <a:ext uri="{FF2B5EF4-FFF2-40B4-BE49-F238E27FC236}">
+                    <a16:creationId xmlns:a16="http://schemas.microsoft.com/office/drawing/2014/main" id="{B04A7A8D-76F2-4738-A0B3-32F2C1A7D444}"/>
+                  </a:ext>
+                </a:extLst>
+              </p:cNvPr>
+              <p:cNvPicPr>
+                <a:picLocks noChangeAspect="1" noChangeArrowheads="1"/>
+              </p:cNvPicPr>
+              <p:nvPr/>
+            </p:nvPicPr>
+            <p:blipFill rotWithShape="1">
+              <a:blip r:embed="rId28">
+                <a:extLst>
+                  <a:ext uri="{28A0092B-C50C-407E-A947-70E740481C1C}">
+                    <a14:useLocalDpi xmlns:a14="http://schemas.microsoft.com/office/drawing/2010/main" val="0"/>
+                  </a:ext>
+                </a:extLst>
+              </a:blip>
+              <a:srcRect l="33345" t="11737" r="30430" b="24131"/>
+              <a:stretch/>
+            </p:blipFill>
+            <p:spPr bwMode="auto">
+              <a:xfrm>
+                <a:off x="5431348" y="2282187"/>
+                <a:ext cx="897106" cy="1301114"/>
+              </a:xfrm>
+              <a:prstGeom prst="rect">
+                <a:avLst/>
+              </a:prstGeom>
+              <a:noFill/>
+              <a:extLst>
+                <a:ext uri="{909E8E84-426E-40DD-AFC4-6F175D3DCCD1}">
+                  <a14:hiddenFill xmlns:a14="http://schemas.microsoft.com/office/drawing/2010/main">
+                    <a:solidFill>
+                      <a:srgbClr val="FFFFFF"/>
+                    </a:solidFill>
+                  </a14:hiddenFill>
+                </a:ext>
+              </a:extLst>
+            </p:spPr>
+          </p:pic>
+          <p:pic>
+            <p:nvPicPr>
+              <p:cNvPr id="1047" name="Picture 23">
+                <a:extLst>
+                  <a:ext uri="{FF2B5EF4-FFF2-40B4-BE49-F238E27FC236}">
+                    <a16:creationId xmlns:a16="http://schemas.microsoft.com/office/drawing/2014/main" id="{86A51988-B8FC-47E7-8A00-F79D2C28242B}"/>
+                  </a:ext>
+                </a:extLst>
+              </p:cNvPr>
+              <p:cNvPicPr>
+                <a:picLocks noChangeAspect="1" noChangeArrowheads="1"/>
+              </p:cNvPicPr>
+              <p:nvPr/>
+            </p:nvPicPr>
+            <p:blipFill>
+              <a:blip r:embed="rId29">
+                <a:extLst>
+                  <a:ext uri="{28A0092B-C50C-407E-A947-70E740481C1C}">
+                    <a14:useLocalDpi xmlns:a14="http://schemas.microsoft.com/office/drawing/2010/main" val="0"/>
+                  </a:ext>
+                </a:extLst>
+              </a:blip>
+              <a:srcRect/>
+              <a:stretch>
+                <a:fillRect/>
+              </a:stretch>
+            </p:blipFill>
+            <p:spPr bwMode="auto">
+              <a:xfrm>
+                <a:off x="6225152" y="2251707"/>
+                <a:ext cx="1588214" cy="1301114"/>
+              </a:xfrm>
+              <a:prstGeom prst="rect">
+                <a:avLst/>
+              </a:prstGeom>
+              <a:noFill/>
+              <a:extLst>
+                <a:ext uri="{909E8E84-426E-40DD-AFC4-6F175D3DCCD1}">
+                  <a14:hiddenFill xmlns:a14="http://schemas.microsoft.com/office/drawing/2010/main">
+                    <a:solidFill>
+                      <a:srgbClr val="FFFFFF"/>
+                    </a:solidFill>
+                  </a14:hiddenFill>
+                </a:ext>
+              </a:extLst>
+            </p:spPr>
+          </p:pic>
+        </p:grpSp>
+        <p:grpSp>
+          <p:nvGrpSpPr>
+            <p:cNvPr id="11" name="Grupo 10">
+              <a:extLst>
+                <a:ext uri="{FF2B5EF4-FFF2-40B4-BE49-F238E27FC236}">
+                  <a16:creationId xmlns:a16="http://schemas.microsoft.com/office/drawing/2014/main" id="{442BAC9E-78BF-4FB4-9BCC-5C907EE03EAD}"/>
+                </a:ext>
+              </a:extLst>
+            </p:cNvPr>
+            <p:cNvGrpSpPr/>
+            <p:nvPr/>
+          </p:nvGrpSpPr>
+          <p:grpSpPr>
+            <a:xfrm>
+              <a:off x="5542719" y="4106950"/>
+              <a:ext cx="3166213" cy="1318148"/>
+              <a:chOff x="5535099" y="4305070"/>
+              <a:chExt cx="3166213" cy="1318148"/>
+            </a:xfrm>
+          </p:grpSpPr>
+          <p:pic>
+            <p:nvPicPr>
+              <p:cNvPr id="53" name="Picture 6">
+                <a:extLst>
+                  <a:ext uri="{FF2B5EF4-FFF2-40B4-BE49-F238E27FC236}">
+                    <a16:creationId xmlns:a16="http://schemas.microsoft.com/office/drawing/2014/main" id="{86F7886C-CFBC-4676-AAA4-A22DEA0CC3F1}"/>
+                  </a:ext>
+                </a:extLst>
+              </p:cNvPr>
+              <p:cNvPicPr>
+                <a:picLocks noChangeAspect="1" noChangeArrowheads="1"/>
+              </p:cNvPicPr>
+              <p:nvPr/>
+            </p:nvPicPr>
+            <p:blipFill rotWithShape="1">
+              <a:blip r:embed="rId23">
+                <a:extLst>
+                  <a:ext uri="{28A0092B-C50C-407E-A947-70E740481C1C}">
+                    <a14:useLocalDpi xmlns:a14="http://schemas.microsoft.com/office/drawing/2010/main" val="0"/>
+                  </a:ext>
+                </a:extLst>
+              </a:blip>
+              <a:srcRect l="34039" t="10798" b="25070"/>
+              <a:stretch/>
+            </p:blipFill>
+            <p:spPr bwMode="auto">
+              <a:xfrm>
+                <a:off x="5535099" y="4322104"/>
+                <a:ext cx="1633538" cy="1301114"/>
+              </a:xfrm>
+              <a:prstGeom prst="rect">
+                <a:avLst/>
+              </a:prstGeom>
+              <a:noFill/>
+              <a:extLst>
+                <a:ext uri="{909E8E84-426E-40DD-AFC4-6F175D3DCCD1}">
+                  <a14:hiddenFill xmlns:a14="http://schemas.microsoft.com/office/drawing/2010/main">
+                    <a:solidFill>
+                      <a:srgbClr val="FFFFFF"/>
+                    </a:solidFill>
+                  </a14:hiddenFill>
+                </a:ext>
+              </a:extLst>
+            </p:spPr>
+          </p:pic>
+          <p:pic>
+            <p:nvPicPr>
+              <p:cNvPr id="1052" name="Picture 28">
+                <a:extLst>
+                  <a:ext uri="{FF2B5EF4-FFF2-40B4-BE49-F238E27FC236}">
+                    <a16:creationId xmlns:a16="http://schemas.microsoft.com/office/drawing/2014/main" id="{9E933FA5-C44C-4165-9D2D-CD24F8253BC7}"/>
+                  </a:ext>
+                </a:extLst>
+              </p:cNvPr>
+              <p:cNvPicPr>
+                <a:picLocks noChangeAspect="1" noChangeArrowheads="1"/>
+              </p:cNvPicPr>
+              <p:nvPr/>
+            </p:nvPicPr>
+            <p:blipFill rotWithShape="1">
+              <a:blip r:embed="rId30">
+                <a:extLst>
+                  <a:ext uri="{28A0092B-C50C-407E-A947-70E740481C1C}">
+                    <a14:useLocalDpi xmlns:a14="http://schemas.microsoft.com/office/drawing/2010/main" val="0"/>
+                  </a:ext>
+                </a:extLst>
+              </a:blip>
+              <a:srcRect l="33700" t="10986" r="33707" b="24882"/>
+              <a:stretch/>
+            </p:blipFill>
+            <p:spPr bwMode="auto">
+              <a:xfrm>
+                <a:off x="6320162" y="4322103"/>
+                <a:ext cx="807162" cy="1301115"/>
+              </a:xfrm>
+              <a:prstGeom prst="rect">
+                <a:avLst/>
+              </a:prstGeom>
+              <a:noFill/>
+              <a:extLst>
+                <a:ext uri="{909E8E84-426E-40DD-AFC4-6F175D3DCCD1}">
+                  <a14:hiddenFill xmlns:a14="http://schemas.microsoft.com/office/drawing/2010/main">
+                    <a:solidFill>
+                      <a:srgbClr val="FFFFFF"/>
+                    </a:solidFill>
+                  </a14:hiddenFill>
+                </a:ext>
+              </a:extLst>
+            </p:spPr>
+          </p:pic>
+          <p:pic>
+            <p:nvPicPr>
+              <p:cNvPr id="1053" name="Picture 29">
+                <a:extLst>
+                  <a:ext uri="{FF2B5EF4-FFF2-40B4-BE49-F238E27FC236}">
+                    <a16:creationId xmlns:a16="http://schemas.microsoft.com/office/drawing/2014/main" id="{FC84FB99-8B67-4699-9B3B-776B2DED61A4}"/>
+                  </a:ext>
+                </a:extLst>
+              </p:cNvPr>
+              <p:cNvPicPr>
+                <a:picLocks noChangeAspect="1" noChangeArrowheads="1"/>
+              </p:cNvPicPr>
+              <p:nvPr/>
+            </p:nvPicPr>
+            <p:blipFill>
+              <a:blip r:embed="rId31">
+                <a:extLst>
+                  <a:ext uri="{28A0092B-C50C-407E-A947-70E740481C1C}">
+                    <a14:useLocalDpi xmlns:a14="http://schemas.microsoft.com/office/drawing/2010/main" val="0"/>
+                  </a:ext>
+                </a:extLst>
+              </a:blip>
+              <a:srcRect/>
+              <a:stretch>
+                <a:fillRect/>
+              </a:stretch>
+            </p:blipFill>
+            <p:spPr bwMode="auto">
+              <a:xfrm>
+                <a:off x="7127323" y="4305070"/>
+                <a:ext cx="1573989" cy="1289460"/>
+              </a:xfrm>
+              <a:prstGeom prst="rect">
+                <a:avLst/>
+              </a:prstGeom>
+              <a:noFill/>
+              <a:extLst>
+                <a:ext uri="{909E8E84-426E-40DD-AFC4-6F175D3DCCD1}">
+                  <a14:hiddenFill xmlns:a14="http://schemas.microsoft.com/office/drawing/2010/main">
+                    <a:solidFill>
+                      <a:srgbClr val="FFFFFF"/>
+                    </a:solidFill>
+                  </a14:hiddenFill>
+                </a:ext>
+              </a:extLst>
+            </p:spPr>
+          </p:pic>
+        </p:grpSp>
+        <p:grpSp>
+          <p:nvGrpSpPr>
+            <p:cNvPr id="14" name="Grupo 13">
+              <a:extLst>
+                <a:ext uri="{FF2B5EF4-FFF2-40B4-BE49-F238E27FC236}">
+                  <a16:creationId xmlns:a16="http://schemas.microsoft.com/office/drawing/2014/main" id="{0BE0D699-8955-47E5-8DFE-83A2A43EE4F3}"/>
+                </a:ext>
+              </a:extLst>
+            </p:cNvPr>
+            <p:cNvGrpSpPr/>
+            <p:nvPr/>
+          </p:nvGrpSpPr>
+          <p:grpSpPr>
+            <a:xfrm>
+              <a:off x="5550339" y="5411307"/>
+              <a:ext cx="3113225" cy="1311236"/>
+              <a:chOff x="5550339" y="5411307"/>
+              <a:chExt cx="3113225" cy="1311236"/>
+            </a:xfrm>
+          </p:grpSpPr>
+          <p:pic>
+            <p:nvPicPr>
+              <p:cNvPr id="60" name="Picture 6">
+                <a:extLst>
+                  <a:ext uri="{FF2B5EF4-FFF2-40B4-BE49-F238E27FC236}">
+                    <a16:creationId xmlns:a16="http://schemas.microsoft.com/office/drawing/2014/main" id="{08833BA8-42D8-4766-99AD-CFE8BE2617A6}"/>
+                  </a:ext>
+                </a:extLst>
+              </p:cNvPr>
+              <p:cNvPicPr>
+                <a:picLocks noChangeAspect="1" noChangeArrowheads="1"/>
+              </p:cNvPicPr>
+              <p:nvPr/>
+            </p:nvPicPr>
+            <p:blipFill rotWithShape="1">
+              <a:blip r:embed="rId23">
+                <a:extLst>
+                  <a:ext uri="{28A0092B-C50C-407E-A947-70E740481C1C}">
+                    <a14:useLocalDpi xmlns:a14="http://schemas.microsoft.com/office/drawing/2010/main" val="0"/>
+                  </a:ext>
+                </a:extLst>
+              </a:blip>
+              <a:srcRect l="34039" t="10798" b="25070"/>
+              <a:stretch/>
+            </p:blipFill>
+            <p:spPr bwMode="auto">
+              <a:xfrm>
+                <a:off x="5550339" y="5421429"/>
+                <a:ext cx="1633538" cy="1301114"/>
+              </a:xfrm>
+              <a:prstGeom prst="rect">
+                <a:avLst/>
+              </a:prstGeom>
+              <a:noFill/>
+              <a:extLst>
+                <a:ext uri="{909E8E84-426E-40DD-AFC4-6F175D3DCCD1}">
+                  <a14:hiddenFill xmlns:a14="http://schemas.microsoft.com/office/drawing/2010/main">
+                    <a:solidFill>
+                      <a:srgbClr val="FFFFFF"/>
+                    </a:solidFill>
+                  </a14:hiddenFill>
+                </a:ext>
+              </a:extLst>
+            </p:spPr>
+          </p:pic>
+          <p:pic>
+            <p:nvPicPr>
+              <p:cNvPr id="1058" name="Picture 34">
+                <a:extLst>
+                  <a:ext uri="{FF2B5EF4-FFF2-40B4-BE49-F238E27FC236}">
+                    <a16:creationId xmlns:a16="http://schemas.microsoft.com/office/drawing/2014/main" id="{B6883DAF-E33E-4E7D-B8F5-99910F6F638A}"/>
+                  </a:ext>
+                </a:extLst>
+              </p:cNvPr>
+              <p:cNvPicPr>
+                <a:picLocks noChangeAspect="1" noChangeArrowheads="1"/>
+              </p:cNvPicPr>
+              <p:nvPr/>
+            </p:nvPicPr>
+            <p:blipFill rotWithShape="1">
+              <a:blip r:embed="rId32">
+                <a:extLst>
+                  <a:ext uri="{28A0092B-C50C-407E-A947-70E740481C1C}">
+                    <a14:useLocalDpi xmlns:a14="http://schemas.microsoft.com/office/drawing/2010/main" val="0"/>
+                  </a:ext>
+                </a:extLst>
+              </a:blip>
+              <a:srcRect l="33569" t="12155" r="33591" b="28984"/>
+              <a:stretch/>
+            </p:blipFill>
+            <p:spPr bwMode="auto">
+              <a:xfrm>
+                <a:off x="6327782" y="5450117"/>
+                <a:ext cx="813286" cy="1194179"/>
+              </a:xfrm>
+              <a:prstGeom prst="rect">
+                <a:avLst/>
+              </a:prstGeom>
+              <a:noFill/>
+              <a:extLst>
+                <a:ext uri="{909E8E84-426E-40DD-AFC4-6F175D3DCCD1}">
+                  <a14:hiddenFill xmlns:a14="http://schemas.microsoft.com/office/drawing/2010/main">
+                    <a:solidFill>
+                      <a:srgbClr val="FFFFFF"/>
+                    </a:solidFill>
+                  </a14:hiddenFill>
+                </a:ext>
+              </a:extLst>
+            </p:spPr>
+          </p:pic>
+          <p:pic>
+            <p:nvPicPr>
+              <p:cNvPr id="1059" name="Picture 35">
+                <a:extLst>
+                  <a:ext uri="{FF2B5EF4-FFF2-40B4-BE49-F238E27FC236}">
+                    <a16:creationId xmlns:a16="http://schemas.microsoft.com/office/drawing/2014/main" id="{C113438B-DAAC-4131-91DA-6995DAD525C9}"/>
+                  </a:ext>
+                </a:extLst>
+              </p:cNvPr>
+              <p:cNvPicPr>
+                <a:picLocks noChangeAspect="1" noChangeArrowheads="1"/>
+              </p:cNvPicPr>
+              <p:nvPr/>
+            </p:nvPicPr>
+            <p:blipFill>
+              <a:blip r:embed="rId33">
+                <a:extLst>
+                  <a:ext uri="{28A0092B-C50C-407E-A947-70E740481C1C}">
+                    <a14:useLocalDpi xmlns:a14="http://schemas.microsoft.com/office/drawing/2010/main" val="0"/>
+                  </a:ext>
+                </a:extLst>
+              </a:blip>
+              <a:srcRect/>
+              <a:stretch>
+                <a:fillRect/>
+              </a:stretch>
+            </p:blipFill>
+            <p:spPr bwMode="auto">
+              <a:xfrm>
+                <a:off x="7123590" y="5411307"/>
+                <a:ext cx="1539974" cy="1261594"/>
+              </a:xfrm>
+              <a:prstGeom prst="rect">
+                <a:avLst/>
+              </a:prstGeom>
+              <a:noFill/>
+              <a:extLst>
+                <a:ext uri="{909E8E84-426E-40DD-AFC4-6F175D3DCCD1}">
+                  <a14:hiddenFill xmlns:a14="http://schemas.microsoft.com/office/drawing/2010/main">
+                    <a:solidFill>
+                      <a:srgbClr val="FFFFFF"/>
+                    </a:solidFill>
+                  </a14:hiddenFill>
+                </a:ext>
+              </a:extLst>
+            </p:spPr>
+          </p:pic>
+        </p:grpSp>
+      </p:grpSp>
+    </p:spTree>
+    <p:extLst>
+      <p:ext uri="{BB962C8B-B14F-4D97-AF65-F5344CB8AC3E}">
+        <p14:creationId xmlns:p14="http://schemas.microsoft.com/office/powerpoint/2010/main" val="3643820194"/>
       </p:ext>
     </p:extLst>
   </p:cSld>
